--- a/images/OPC_Overview.pptx
+++ b/images/OPC_Overview.pptx
@@ -8,6 +8,7 @@
     <p:sldId id="256" r:id="rId2"/>
     <p:sldId id="258" r:id="rId3"/>
     <p:sldId id="257" r:id="rId4"/>
+    <p:sldId id="259" r:id="rId5"/>
   </p:sldIdLst>
   <p:sldSz cx="12192000" cy="6858000"/>
   <p:notesSz cx="6858000" cy="9144000"/>
@@ -106,6 +107,11 @@
       </a:defRPr>
     </a:lvl9pPr>
   </p:defaultTextStyle>
+  <p:extLst>
+    <p:ext uri="{EFAFB233-063F-42B5-8137-9DF3F51BA10A}">
+      <p15:sldGuideLst xmlns:p15="http://schemas.microsoft.com/office/powerpoint/2012/main"/>
+    </p:ext>
+  </p:extLst>
 </p:presentation>
 </file>
 
@@ -256,7 +262,7 @@
           <a:p>
             <a:fld id="{ADB625DE-DAF5-4111-9B28-AAF763A4AE9A}" type="datetimeFigureOut">
               <a:rPr lang="en-US" smtClean="0"/>
-              <a:t>6/26/2019</a:t>
+              <a:t>7/1/2019</a:t>
             </a:fld>
             <a:endParaRPr lang="en-US"/>
           </a:p>
@@ -454,7 +460,7 @@
           <a:p>
             <a:fld id="{ADB625DE-DAF5-4111-9B28-AAF763A4AE9A}" type="datetimeFigureOut">
               <a:rPr lang="en-US" smtClean="0"/>
-              <a:t>6/26/2019</a:t>
+              <a:t>7/1/2019</a:t>
             </a:fld>
             <a:endParaRPr lang="en-US"/>
           </a:p>
@@ -662,7 +668,7 @@
           <a:p>
             <a:fld id="{ADB625DE-DAF5-4111-9B28-AAF763A4AE9A}" type="datetimeFigureOut">
               <a:rPr lang="en-US" smtClean="0"/>
-              <a:t>6/26/2019</a:t>
+              <a:t>7/1/2019</a:t>
             </a:fld>
             <a:endParaRPr lang="en-US"/>
           </a:p>
@@ -860,7 +866,7 @@
           <a:p>
             <a:fld id="{ADB625DE-DAF5-4111-9B28-AAF763A4AE9A}" type="datetimeFigureOut">
               <a:rPr lang="en-US" smtClean="0"/>
-              <a:t>6/26/2019</a:t>
+              <a:t>7/1/2019</a:t>
             </a:fld>
             <a:endParaRPr lang="en-US"/>
           </a:p>
@@ -1135,7 +1141,7 @@
           <a:p>
             <a:fld id="{ADB625DE-DAF5-4111-9B28-AAF763A4AE9A}" type="datetimeFigureOut">
               <a:rPr lang="en-US" smtClean="0"/>
-              <a:t>6/26/2019</a:t>
+              <a:t>7/1/2019</a:t>
             </a:fld>
             <a:endParaRPr lang="en-US"/>
           </a:p>
@@ -1400,7 +1406,7 @@
           <a:p>
             <a:fld id="{ADB625DE-DAF5-4111-9B28-AAF763A4AE9A}" type="datetimeFigureOut">
               <a:rPr lang="en-US" smtClean="0"/>
-              <a:t>6/26/2019</a:t>
+              <a:t>7/1/2019</a:t>
             </a:fld>
             <a:endParaRPr lang="en-US"/>
           </a:p>
@@ -1812,7 +1818,7 @@
           <a:p>
             <a:fld id="{ADB625DE-DAF5-4111-9B28-AAF763A4AE9A}" type="datetimeFigureOut">
               <a:rPr lang="en-US" smtClean="0"/>
-              <a:t>6/26/2019</a:t>
+              <a:t>7/1/2019</a:t>
             </a:fld>
             <a:endParaRPr lang="en-US"/>
           </a:p>
@@ -1953,7 +1959,7 @@
           <a:p>
             <a:fld id="{ADB625DE-DAF5-4111-9B28-AAF763A4AE9A}" type="datetimeFigureOut">
               <a:rPr lang="en-US" smtClean="0"/>
-              <a:t>6/26/2019</a:t>
+              <a:t>7/1/2019</a:t>
             </a:fld>
             <a:endParaRPr lang="en-US"/>
           </a:p>
@@ -2066,7 +2072,7 @@
           <a:p>
             <a:fld id="{ADB625DE-DAF5-4111-9B28-AAF763A4AE9A}" type="datetimeFigureOut">
               <a:rPr lang="en-US" smtClean="0"/>
-              <a:t>6/26/2019</a:t>
+              <a:t>7/1/2019</a:t>
             </a:fld>
             <a:endParaRPr lang="en-US"/>
           </a:p>
@@ -2377,7 +2383,7 @@
           <a:p>
             <a:fld id="{ADB625DE-DAF5-4111-9B28-AAF763A4AE9A}" type="datetimeFigureOut">
               <a:rPr lang="en-US" smtClean="0"/>
-              <a:t>6/26/2019</a:t>
+              <a:t>7/1/2019</a:t>
             </a:fld>
             <a:endParaRPr lang="en-US"/>
           </a:p>
@@ -2665,7 +2671,7 @@
           <a:p>
             <a:fld id="{ADB625DE-DAF5-4111-9B28-AAF763A4AE9A}" type="datetimeFigureOut">
               <a:rPr lang="en-US" smtClean="0"/>
-              <a:t>6/26/2019</a:t>
+              <a:t>7/1/2019</a:t>
             </a:fld>
             <a:endParaRPr lang="en-US"/>
           </a:p>
@@ -2906,7 +2912,7 @@
           <a:p>
             <a:fld id="{ADB625DE-DAF5-4111-9B28-AAF763A4AE9A}" type="datetimeFigureOut">
               <a:rPr lang="en-US" smtClean="0"/>
-              <a:t>6/26/2019</a:t>
+              <a:t>7/1/2019</a:t>
             </a:fld>
             <a:endParaRPr lang="en-US"/>
           </a:p>
@@ -9628,6 +9634,1876 @@
 </p:sld>
 </file>
 
+<file path=ppt/slides/slide4.xml><?xml version="1.0" encoding="utf-8"?>
+<p:sld xmlns:a="http://schemas.openxmlformats.org/drawingml/2006/main" xmlns:r="http://schemas.openxmlformats.org/officeDocument/2006/relationships" xmlns:p="http://schemas.openxmlformats.org/presentationml/2006/main">
+  <p:cSld>
+    <p:spTree>
+      <p:nvGrpSpPr>
+        <p:cNvPr id="1" name=""/>
+        <p:cNvGrpSpPr/>
+        <p:nvPr/>
+      </p:nvGrpSpPr>
+      <p:grpSpPr>
+        <a:xfrm>
+          <a:off x="0" y="0"/>
+          <a:ext cx="0" cy="0"/>
+          <a:chOff x="0" y="0"/>
+          <a:chExt cx="0" cy="0"/>
+        </a:xfrm>
+      </p:grpSpPr>
+      <p:sp>
+        <p:nvSpPr>
+          <p:cNvPr id="84" name="Rectangle: Diagonal Corners Rounded 83">
+            <a:extLst>
+              <a:ext uri="{FF2B5EF4-FFF2-40B4-BE49-F238E27FC236}">
+                <a16:creationId xmlns:a16="http://schemas.microsoft.com/office/drawing/2014/main" id="{F6FE0AD5-809D-46B1-A9A6-3B3B1672E9A8}"/>
+              </a:ext>
+            </a:extLst>
+          </p:cNvPr>
+          <p:cNvSpPr/>
+          <p:nvPr/>
+        </p:nvSpPr>
+        <p:spPr>
+          <a:xfrm>
+            <a:off x="1747519" y="3840480"/>
+            <a:ext cx="6043931" cy="2597404"/>
+          </a:xfrm>
+          <a:prstGeom prst="round2DiagRect">
+            <a:avLst>
+              <a:gd name="adj1" fmla="val 50000"/>
+              <a:gd name="adj2" fmla="val 14082"/>
+            </a:avLst>
+          </a:prstGeom>
+          <a:solidFill>
+            <a:srgbClr val="EBF1DE"/>
+          </a:solidFill>
+          <a:ln w="38100">
+            <a:solidFill>
+              <a:srgbClr val="718F2B"/>
+            </a:solidFill>
+            <a:prstDash val="sysDash"/>
+          </a:ln>
+        </p:spPr>
+        <p:style>
+          <a:lnRef idx="2">
+            <a:schemeClr val="accent1">
+              <a:shade val="50000"/>
+            </a:schemeClr>
+          </a:lnRef>
+          <a:fillRef idx="1">
+            <a:schemeClr val="accent1"/>
+          </a:fillRef>
+          <a:effectRef idx="0">
+            <a:schemeClr val="accent1"/>
+          </a:effectRef>
+          <a:fontRef idx="minor">
+            <a:schemeClr val="lt1"/>
+          </a:fontRef>
+        </p:style>
+        <p:txBody>
+          <a:bodyPr rtlCol="0" anchor="ctr"/>
+          <a:lstStyle/>
+          <a:p>
+            <a:pPr algn="ctr"/>
+            <a:endParaRPr lang="en-US">
+              <a:latin typeface="Arial" panose="020B0604020202020204" pitchFamily="34" charset="0"/>
+              <a:cs typeface="Arial" panose="020B0604020202020204" pitchFamily="34" charset="0"/>
+            </a:endParaRPr>
+          </a:p>
+        </p:txBody>
+      </p:sp>
+      <p:sp>
+        <p:nvSpPr>
+          <p:cNvPr id="4" name="Rectangle: Rounded Corners 3">
+            <a:extLst>
+              <a:ext uri="{FF2B5EF4-FFF2-40B4-BE49-F238E27FC236}">
+                <a16:creationId xmlns:a16="http://schemas.microsoft.com/office/drawing/2014/main" id="{A0671BD8-8852-416E-9B40-07D00FE297D3}"/>
+              </a:ext>
+            </a:extLst>
+          </p:cNvPr>
+          <p:cNvSpPr/>
+          <p:nvPr/>
+        </p:nvSpPr>
+        <p:spPr>
+          <a:xfrm rot="16200000">
+            <a:off x="-2481205" y="3029289"/>
+            <a:ext cx="6401365" cy="565181"/>
+          </a:xfrm>
+          <a:prstGeom prst="roundRect">
+            <a:avLst/>
+          </a:prstGeom>
+          <a:solidFill>
+            <a:srgbClr val="B9CDE5"/>
+          </a:solidFill>
+          <a:ln w="38100">
+            <a:solidFill>
+              <a:srgbClr val="1E2655"/>
+            </a:solidFill>
+          </a:ln>
+        </p:spPr>
+        <p:style>
+          <a:lnRef idx="2">
+            <a:schemeClr val="accent1">
+              <a:shade val="50000"/>
+            </a:schemeClr>
+          </a:lnRef>
+          <a:fillRef idx="1">
+            <a:schemeClr val="accent1"/>
+          </a:fillRef>
+          <a:effectRef idx="0">
+            <a:schemeClr val="accent1"/>
+          </a:effectRef>
+          <a:fontRef idx="minor">
+            <a:schemeClr val="lt1"/>
+          </a:fontRef>
+        </p:style>
+        <p:txBody>
+          <a:bodyPr rtlCol="0" anchor="ctr"/>
+          <a:lstStyle/>
+          <a:p>
+            <a:pPr algn="ctr"/>
+            <a:r>
+              <a:rPr lang="en-GB" sz="2000" dirty="0">
+                <a:solidFill>
+                  <a:schemeClr val="tx1"/>
+                </a:solidFill>
+                <a:latin typeface="Arial" panose="020B0604020202020204" pitchFamily="34" charset="0"/>
+                <a:cs typeface="Arial" panose="020B0604020202020204" pitchFamily="34" charset="0"/>
+              </a:rPr>
+              <a:t>OPC Root Relationships</a:t>
+            </a:r>
+            <a:endParaRPr lang="en-US" sz="2000" dirty="0">
+              <a:solidFill>
+                <a:schemeClr val="tx1"/>
+              </a:solidFill>
+              <a:latin typeface="Arial" panose="020B0604020202020204" pitchFamily="34" charset="0"/>
+              <a:cs typeface="Arial" panose="020B0604020202020204" pitchFamily="34" charset="0"/>
+            </a:endParaRPr>
+          </a:p>
+        </p:txBody>
+      </p:sp>
+      <p:sp>
+        <p:nvSpPr>
+          <p:cNvPr id="5" name="Oval 4">
+            <a:extLst>
+              <a:ext uri="{FF2B5EF4-FFF2-40B4-BE49-F238E27FC236}">
+                <a16:creationId xmlns:a16="http://schemas.microsoft.com/office/drawing/2014/main" id="{629E090D-1865-4FA9-9B4B-64D84A863F11}"/>
+              </a:ext>
+            </a:extLst>
+          </p:cNvPr>
+          <p:cNvSpPr/>
+          <p:nvPr/>
+        </p:nvSpPr>
+        <p:spPr>
+          <a:xfrm>
+            <a:off x="2715252" y="389600"/>
+            <a:ext cx="2130137" cy="571500"/>
+          </a:xfrm>
+          <a:prstGeom prst="ellipse">
+            <a:avLst/>
+          </a:prstGeom>
+          <a:solidFill>
+            <a:srgbClr val="E6E0EC"/>
+          </a:solidFill>
+          <a:ln w="38100">
+            <a:solidFill>
+              <a:srgbClr val="8065A2"/>
+            </a:solidFill>
+          </a:ln>
+        </p:spPr>
+        <p:style>
+          <a:lnRef idx="2">
+            <a:schemeClr val="accent1">
+              <a:shade val="50000"/>
+            </a:schemeClr>
+          </a:lnRef>
+          <a:fillRef idx="1">
+            <a:schemeClr val="accent1"/>
+          </a:fillRef>
+          <a:effectRef idx="0">
+            <a:schemeClr val="accent1"/>
+          </a:effectRef>
+          <a:fontRef idx="minor">
+            <a:schemeClr val="lt1"/>
+          </a:fontRef>
+        </p:style>
+        <p:txBody>
+          <a:bodyPr rtlCol="0" anchor="ctr"/>
+          <a:lstStyle/>
+          <a:p>
+            <a:pPr algn="ctr"/>
+            <a:r>
+              <a:rPr lang="en-GB" dirty="0">
+                <a:solidFill>
+                  <a:schemeClr val="tx1"/>
+                </a:solidFill>
+                <a:latin typeface="Arial" panose="020B0604020202020204" pitchFamily="34" charset="0"/>
+                <a:cs typeface="Arial" panose="020B0604020202020204" pitchFamily="34" charset="0"/>
+              </a:rPr>
+              <a:t>Package Thumbnail</a:t>
+            </a:r>
+            <a:endParaRPr lang="en-US" dirty="0">
+              <a:solidFill>
+                <a:schemeClr val="tx1"/>
+              </a:solidFill>
+              <a:latin typeface="Arial" panose="020B0604020202020204" pitchFamily="34" charset="0"/>
+              <a:cs typeface="Arial" panose="020B0604020202020204" pitchFamily="34" charset="0"/>
+            </a:endParaRPr>
+          </a:p>
+        </p:txBody>
+      </p:sp>
+      <p:cxnSp>
+        <p:nvCxnSpPr>
+          <p:cNvPr id="7" name="Straight Arrow Connector 6">
+            <a:extLst>
+              <a:ext uri="{FF2B5EF4-FFF2-40B4-BE49-F238E27FC236}">
+                <a16:creationId xmlns:a16="http://schemas.microsoft.com/office/drawing/2014/main" id="{4986E7EE-6CC6-4257-8BD5-8ACF8E045465}"/>
+              </a:ext>
+            </a:extLst>
+          </p:cNvPr>
+          <p:cNvCxnSpPr/>
+          <p:nvPr/>
+        </p:nvCxnSpPr>
+        <p:spPr>
+          <a:xfrm>
+            <a:off x="1002066" y="675350"/>
+            <a:ext cx="1713186" cy="0"/>
+          </a:xfrm>
+          <a:prstGeom prst="straightConnector1">
+            <a:avLst/>
+          </a:prstGeom>
+          <a:ln w="25400">
+            <a:solidFill>
+              <a:srgbClr val="8065A2"/>
+            </a:solidFill>
+            <a:tailEnd type="triangle" w="lg" len="med"/>
+          </a:ln>
+        </p:spPr>
+        <p:style>
+          <a:lnRef idx="1">
+            <a:schemeClr val="accent1"/>
+          </a:lnRef>
+          <a:fillRef idx="0">
+            <a:schemeClr val="accent1"/>
+          </a:fillRef>
+          <a:effectRef idx="0">
+            <a:schemeClr val="accent1"/>
+          </a:effectRef>
+          <a:fontRef idx="minor">
+            <a:schemeClr val="tx1"/>
+          </a:fontRef>
+        </p:style>
+      </p:cxnSp>
+      <p:sp>
+        <p:nvSpPr>
+          <p:cNvPr id="8" name="Rectangle 7">
+            <a:extLst>
+              <a:ext uri="{FF2B5EF4-FFF2-40B4-BE49-F238E27FC236}">
+                <a16:creationId xmlns:a16="http://schemas.microsoft.com/office/drawing/2014/main" id="{B8926F64-3155-417A-838D-2629318423E4}"/>
+              </a:ext>
+            </a:extLst>
+          </p:cNvPr>
+          <p:cNvSpPr/>
+          <p:nvPr/>
+        </p:nvSpPr>
+        <p:spPr>
+          <a:xfrm>
+            <a:off x="1041431" y="389310"/>
+            <a:ext cx="1019831" cy="307777"/>
+          </a:xfrm>
+          <a:prstGeom prst="rect">
+            <a:avLst/>
+          </a:prstGeom>
+        </p:spPr>
+        <p:txBody>
+          <a:bodyPr wrap="none">
+            <a:spAutoFit/>
+          </a:bodyPr>
+          <a:lstStyle/>
+          <a:p>
+            <a:pPr algn="ctr"/>
+            <a:r>
+              <a:rPr lang="en-GB" sz="1400" dirty="0">
+                <a:solidFill>
+                  <a:schemeClr val="tx1"/>
+                </a:solidFill>
+                <a:latin typeface="Arial" panose="020B0604020202020204" pitchFamily="34" charset="0"/>
+                <a:cs typeface="Arial" panose="020B0604020202020204" pitchFamily="34" charset="0"/>
+              </a:rPr>
+              <a:t>Thumbnail</a:t>
+            </a:r>
+            <a:endParaRPr lang="en-US" sz="1400" dirty="0">
+              <a:latin typeface="Arial" panose="020B0604020202020204" pitchFamily="34" charset="0"/>
+              <a:cs typeface="Arial" panose="020B0604020202020204" pitchFamily="34" charset="0"/>
+            </a:endParaRPr>
+          </a:p>
+        </p:txBody>
+      </p:sp>
+      <p:sp>
+        <p:nvSpPr>
+          <p:cNvPr id="11" name="Oval 10">
+            <a:extLst>
+              <a:ext uri="{FF2B5EF4-FFF2-40B4-BE49-F238E27FC236}">
+                <a16:creationId xmlns:a16="http://schemas.microsoft.com/office/drawing/2014/main" id="{DEDD0846-EC85-47DB-B610-132EED04273D}"/>
+              </a:ext>
+            </a:extLst>
+          </p:cNvPr>
+          <p:cNvSpPr/>
+          <p:nvPr/>
+        </p:nvSpPr>
+        <p:spPr>
+          <a:xfrm>
+            <a:off x="2732869" y="1130579"/>
+            <a:ext cx="2130137" cy="571500"/>
+          </a:xfrm>
+          <a:prstGeom prst="ellipse">
+            <a:avLst/>
+          </a:prstGeom>
+          <a:solidFill>
+            <a:srgbClr val="E6E0EC"/>
+          </a:solidFill>
+          <a:ln w="38100">
+            <a:solidFill>
+              <a:srgbClr val="8065A2"/>
+            </a:solidFill>
+          </a:ln>
+        </p:spPr>
+        <p:style>
+          <a:lnRef idx="2">
+            <a:schemeClr val="accent1">
+              <a:shade val="50000"/>
+            </a:schemeClr>
+          </a:lnRef>
+          <a:fillRef idx="1">
+            <a:schemeClr val="accent1"/>
+          </a:fillRef>
+          <a:effectRef idx="0">
+            <a:schemeClr val="accent1"/>
+          </a:effectRef>
+          <a:fontRef idx="minor">
+            <a:schemeClr val="lt1"/>
+          </a:fontRef>
+        </p:style>
+        <p:txBody>
+          <a:bodyPr rtlCol="0" anchor="ctr"/>
+          <a:lstStyle/>
+          <a:p>
+            <a:pPr algn="ctr"/>
+            <a:r>
+              <a:rPr lang="en-GB" dirty="0">
+                <a:solidFill>
+                  <a:schemeClr val="tx1"/>
+                </a:solidFill>
+                <a:latin typeface="Arial" panose="020B0604020202020204" pitchFamily="34" charset="0"/>
+                <a:cs typeface="Arial" panose="020B0604020202020204" pitchFamily="34" charset="0"/>
+              </a:rPr>
+              <a:t>Core Properties</a:t>
+            </a:r>
+            <a:endParaRPr lang="en-US" dirty="0">
+              <a:solidFill>
+                <a:schemeClr val="tx1"/>
+              </a:solidFill>
+              <a:latin typeface="Arial" panose="020B0604020202020204" pitchFamily="34" charset="0"/>
+              <a:cs typeface="Arial" panose="020B0604020202020204" pitchFamily="34" charset="0"/>
+            </a:endParaRPr>
+          </a:p>
+        </p:txBody>
+      </p:sp>
+      <p:cxnSp>
+        <p:nvCxnSpPr>
+          <p:cNvPr id="12" name="Straight Arrow Connector 11">
+            <a:extLst>
+              <a:ext uri="{FF2B5EF4-FFF2-40B4-BE49-F238E27FC236}">
+                <a16:creationId xmlns:a16="http://schemas.microsoft.com/office/drawing/2014/main" id="{5842BA6B-B4ED-4FA5-8852-8CAA45770944}"/>
+              </a:ext>
+            </a:extLst>
+          </p:cNvPr>
+          <p:cNvCxnSpPr/>
+          <p:nvPr/>
+        </p:nvCxnSpPr>
+        <p:spPr>
+          <a:xfrm>
+            <a:off x="1019683" y="1416329"/>
+            <a:ext cx="1713186" cy="0"/>
+          </a:xfrm>
+          <a:prstGeom prst="straightConnector1">
+            <a:avLst/>
+          </a:prstGeom>
+          <a:ln w="25400">
+            <a:solidFill>
+              <a:srgbClr val="8065A2"/>
+            </a:solidFill>
+            <a:tailEnd type="triangle" w="lg" len="med"/>
+          </a:ln>
+        </p:spPr>
+        <p:style>
+          <a:lnRef idx="1">
+            <a:schemeClr val="accent1"/>
+          </a:lnRef>
+          <a:fillRef idx="0">
+            <a:schemeClr val="accent1"/>
+          </a:fillRef>
+          <a:effectRef idx="0">
+            <a:schemeClr val="accent1"/>
+          </a:effectRef>
+          <a:fontRef idx="minor">
+            <a:schemeClr val="tx1"/>
+          </a:fontRef>
+        </p:style>
+      </p:cxnSp>
+      <p:sp>
+        <p:nvSpPr>
+          <p:cNvPr id="13" name="Rectangle 12">
+            <a:extLst>
+              <a:ext uri="{FF2B5EF4-FFF2-40B4-BE49-F238E27FC236}">
+                <a16:creationId xmlns:a16="http://schemas.microsoft.com/office/drawing/2014/main" id="{5B75B500-EB57-4508-AFAD-C648E2A40E55}"/>
+              </a:ext>
+            </a:extLst>
+          </p:cNvPr>
+          <p:cNvSpPr/>
+          <p:nvPr/>
+        </p:nvSpPr>
+        <p:spPr>
+          <a:xfrm>
+            <a:off x="1077713" y="1130289"/>
+            <a:ext cx="1438214" cy="307777"/>
+          </a:xfrm>
+          <a:prstGeom prst="rect">
+            <a:avLst/>
+          </a:prstGeom>
+        </p:spPr>
+        <p:txBody>
+          <a:bodyPr wrap="none">
+            <a:spAutoFit/>
+          </a:bodyPr>
+          <a:lstStyle/>
+          <a:p>
+            <a:pPr algn="ctr"/>
+            <a:r>
+              <a:rPr lang="en-GB" sz="1400" dirty="0">
+                <a:solidFill>
+                  <a:schemeClr val="tx1"/>
+                </a:solidFill>
+                <a:latin typeface="Arial" panose="020B0604020202020204" pitchFamily="34" charset="0"/>
+                <a:cs typeface="Arial" panose="020B0604020202020204" pitchFamily="34" charset="0"/>
+              </a:rPr>
+              <a:t>Core Properties</a:t>
+            </a:r>
+            <a:endParaRPr lang="en-US" sz="1400" dirty="0">
+              <a:latin typeface="Arial" panose="020B0604020202020204" pitchFamily="34" charset="0"/>
+              <a:cs typeface="Arial" panose="020B0604020202020204" pitchFamily="34" charset="0"/>
+            </a:endParaRPr>
+          </a:p>
+        </p:txBody>
+      </p:sp>
+      <p:cxnSp>
+        <p:nvCxnSpPr>
+          <p:cNvPr id="44" name="Straight Arrow Connector 43">
+            <a:extLst>
+              <a:ext uri="{FF2B5EF4-FFF2-40B4-BE49-F238E27FC236}">
+                <a16:creationId xmlns:a16="http://schemas.microsoft.com/office/drawing/2014/main" id="{DFD9F2C6-F186-46DB-8F19-E7422D38D8D9}"/>
+              </a:ext>
+            </a:extLst>
+          </p:cNvPr>
+          <p:cNvCxnSpPr/>
+          <p:nvPr/>
+        </p:nvCxnSpPr>
+        <p:spPr>
+          <a:xfrm>
+            <a:off x="1002066" y="4416999"/>
+            <a:ext cx="1713186" cy="0"/>
+          </a:xfrm>
+          <a:prstGeom prst="straightConnector1">
+            <a:avLst/>
+          </a:prstGeom>
+          <a:solidFill>
+            <a:srgbClr val="92D050"/>
+          </a:solidFill>
+          <a:ln w="25400">
+            <a:solidFill>
+              <a:srgbClr val="718F2B"/>
+            </a:solidFill>
+            <a:tailEnd type="triangle" w="lg" len="med"/>
+          </a:ln>
+        </p:spPr>
+        <p:style>
+          <a:lnRef idx="1">
+            <a:schemeClr val="accent1"/>
+          </a:lnRef>
+          <a:fillRef idx="0">
+            <a:schemeClr val="accent1"/>
+          </a:fillRef>
+          <a:effectRef idx="0">
+            <a:schemeClr val="accent1"/>
+          </a:effectRef>
+          <a:fontRef idx="minor">
+            <a:schemeClr val="tx1"/>
+          </a:fontRef>
+        </p:style>
+      </p:cxnSp>
+      <p:sp>
+        <p:nvSpPr>
+          <p:cNvPr id="45" name="Rectangle 44">
+            <a:extLst>
+              <a:ext uri="{FF2B5EF4-FFF2-40B4-BE49-F238E27FC236}">
+                <a16:creationId xmlns:a16="http://schemas.microsoft.com/office/drawing/2014/main" id="{F1B742E2-4993-4D0F-8E45-6BF54B74CC57}"/>
+              </a:ext>
+            </a:extLst>
+          </p:cNvPr>
+          <p:cNvSpPr/>
+          <p:nvPr/>
+        </p:nvSpPr>
+        <p:spPr>
+          <a:xfrm>
+            <a:off x="1142695" y="4130959"/>
+            <a:ext cx="950902" cy="307777"/>
+          </a:xfrm>
+          <a:prstGeom prst="rect">
+            <a:avLst/>
+          </a:prstGeom>
+        </p:spPr>
+        <p:txBody>
+          <a:bodyPr wrap="none">
+            <a:spAutoFit/>
+          </a:bodyPr>
+          <a:lstStyle/>
+          <a:p>
+            <a:pPr algn="ctr"/>
+            <a:r>
+              <a:rPr lang="en-GB" sz="1400" dirty="0">
+                <a:solidFill>
+                  <a:schemeClr val="tx1"/>
+                </a:solidFill>
+                <a:latin typeface="Arial" panose="020B0604020202020204" pitchFamily="34" charset="0"/>
+                <a:cs typeface="Arial" panose="020B0604020202020204" pitchFamily="34" charset="0"/>
+              </a:rPr>
+              <a:t>3D Model</a:t>
+            </a:r>
+            <a:endParaRPr lang="en-US" sz="1400" dirty="0">
+              <a:latin typeface="Arial" panose="020B0604020202020204" pitchFamily="34" charset="0"/>
+              <a:cs typeface="Arial" panose="020B0604020202020204" pitchFamily="34" charset="0"/>
+            </a:endParaRPr>
+          </a:p>
+        </p:txBody>
+      </p:sp>
+      <p:sp>
+        <p:nvSpPr>
+          <p:cNvPr id="46" name="Oval 45">
+            <a:extLst>
+              <a:ext uri="{FF2B5EF4-FFF2-40B4-BE49-F238E27FC236}">
+                <a16:creationId xmlns:a16="http://schemas.microsoft.com/office/drawing/2014/main" id="{3036322D-6C83-4892-964E-59ECEBB297CD}"/>
+              </a:ext>
+            </a:extLst>
+          </p:cNvPr>
+          <p:cNvSpPr/>
+          <p:nvPr/>
+        </p:nvSpPr>
+        <p:spPr>
+          <a:xfrm>
+            <a:off x="5561284" y="4107849"/>
+            <a:ext cx="2130137" cy="571500"/>
+          </a:xfrm>
+          <a:prstGeom prst="ellipse">
+            <a:avLst/>
+          </a:prstGeom>
+          <a:solidFill>
+            <a:srgbClr val="EBF1DE"/>
+          </a:solidFill>
+          <a:ln w="38100">
+            <a:solidFill>
+              <a:srgbClr val="718F2B"/>
+            </a:solidFill>
+          </a:ln>
+        </p:spPr>
+        <p:style>
+          <a:lnRef idx="2">
+            <a:schemeClr val="accent1">
+              <a:shade val="50000"/>
+            </a:schemeClr>
+          </a:lnRef>
+          <a:fillRef idx="1">
+            <a:schemeClr val="accent1"/>
+          </a:fillRef>
+          <a:effectRef idx="0">
+            <a:schemeClr val="accent1"/>
+          </a:effectRef>
+          <a:fontRef idx="minor">
+            <a:schemeClr val="lt1"/>
+          </a:fontRef>
+        </p:style>
+        <p:txBody>
+          <a:bodyPr rtlCol="0" anchor="ctr"/>
+          <a:lstStyle/>
+          <a:p>
+            <a:pPr algn="ctr"/>
+            <a:r>
+              <a:rPr lang="en-GB" dirty="0" err="1">
+                <a:solidFill>
+                  <a:schemeClr val="tx1"/>
+                </a:solidFill>
+                <a:latin typeface="Arial" panose="020B0604020202020204" pitchFamily="34" charset="0"/>
+                <a:cs typeface="Arial" panose="020B0604020202020204" pitchFamily="34" charset="0"/>
+              </a:rPr>
+              <a:t>PrintTicket</a:t>
+            </a:r>
+            <a:endParaRPr lang="en-US" dirty="0">
+              <a:solidFill>
+                <a:schemeClr val="tx1"/>
+              </a:solidFill>
+              <a:latin typeface="Arial" panose="020B0604020202020204" pitchFamily="34" charset="0"/>
+              <a:cs typeface="Arial" panose="020B0604020202020204" pitchFamily="34" charset="0"/>
+            </a:endParaRPr>
+          </a:p>
+        </p:txBody>
+      </p:sp>
+      <p:sp>
+        <p:nvSpPr>
+          <p:cNvPr id="48" name="Rectangle: Rounded Corners 47">
+            <a:extLst>
+              <a:ext uri="{FF2B5EF4-FFF2-40B4-BE49-F238E27FC236}">
+                <a16:creationId xmlns:a16="http://schemas.microsoft.com/office/drawing/2014/main" id="{95970A43-E08E-4CA6-A5E0-7ACCB55AB37F}"/>
+              </a:ext>
+            </a:extLst>
+          </p:cNvPr>
+          <p:cNvSpPr/>
+          <p:nvPr/>
+        </p:nvSpPr>
+        <p:spPr>
+          <a:xfrm>
+            <a:off x="2731269" y="4093741"/>
+            <a:ext cx="1675448" cy="656664"/>
+          </a:xfrm>
+          <a:prstGeom prst="roundRect">
+            <a:avLst/>
+          </a:prstGeom>
+          <a:solidFill>
+            <a:srgbClr val="EBF1DE"/>
+          </a:solidFill>
+          <a:ln w="34925">
+            <a:solidFill>
+              <a:srgbClr val="718F2B"/>
+            </a:solidFill>
+          </a:ln>
+        </p:spPr>
+        <p:style>
+          <a:lnRef idx="2">
+            <a:schemeClr val="accent1">
+              <a:shade val="50000"/>
+            </a:schemeClr>
+          </a:lnRef>
+          <a:fillRef idx="1">
+            <a:schemeClr val="accent1"/>
+          </a:fillRef>
+          <a:effectRef idx="0">
+            <a:schemeClr val="accent1"/>
+          </a:effectRef>
+          <a:fontRef idx="minor">
+            <a:schemeClr val="lt1"/>
+          </a:fontRef>
+        </p:style>
+        <p:txBody>
+          <a:bodyPr rtlCol="0" anchor="ctr"/>
+          <a:lstStyle/>
+          <a:p>
+            <a:pPr algn="ctr"/>
+            <a:r>
+              <a:rPr lang="en-GB" dirty="0">
+                <a:solidFill>
+                  <a:schemeClr val="tx1"/>
+                </a:solidFill>
+                <a:latin typeface="Arial" panose="020B0604020202020204" pitchFamily="34" charset="0"/>
+                <a:cs typeface="Arial" panose="020B0604020202020204" pitchFamily="34" charset="0"/>
+              </a:rPr>
+              <a:t>3D Model</a:t>
+            </a:r>
+            <a:endParaRPr lang="en-US" dirty="0">
+              <a:solidFill>
+                <a:schemeClr val="tx1"/>
+              </a:solidFill>
+              <a:latin typeface="Arial" panose="020B0604020202020204" pitchFamily="34" charset="0"/>
+              <a:cs typeface="Arial" panose="020B0604020202020204" pitchFamily="34" charset="0"/>
+            </a:endParaRPr>
+          </a:p>
+        </p:txBody>
+      </p:sp>
+      <p:sp>
+        <p:nvSpPr>
+          <p:cNvPr id="50" name="TextBox 49">
+            <a:extLst>
+              <a:ext uri="{FF2B5EF4-FFF2-40B4-BE49-F238E27FC236}">
+                <a16:creationId xmlns:a16="http://schemas.microsoft.com/office/drawing/2014/main" id="{64192D0F-8FDD-49E4-9BC5-5589286BF021}"/>
+              </a:ext>
+            </a:extLst>
+          </p:cNvPr>
+          <p:cNvSpPr txBox="1"/>
+          <p:nvPr/>
+        </p:nvSpPr>
+        <p:spPr>
+          <a:xfrm>
+            <a:off x="8331714" y="4954516"/>
+            <a:ext cx="1377300" cy="369332"/>
+          </a:xfrm>
+          <a:prstGeom prst="rect">
+            <a:avLst/>
+          </a:prstGeom>
+          <a:noFill/>
+        </p:spPr>
+        <p:txBody>
+          <a:bodyPr wrap="none" rtlCol="0">
+            <a:spAutoFit/>
+          </a:bodyPr>
+          <a:lstStyle/>
+          <a:p>
+            <a:r>
+              <a:rPr lang="en-GB" dirty="0">
+                <a:latin typeface="Arial" panose="020B0604020202020204" pitchFamily="34" charset="0"/>
+                <a:cs typeface="Arial" panose="020B0604020202020204" pitchFamily="34" charset="0"/>
+              </a:rPr>
+              <a:t>3D Payload</a:t>
+            </a:r>
+            <a:endParaRPr lang="en-US" dirty="0">
+              <a:latin typeface="Arial" panose="020B0604020202020204" pitchFamily="34" charset="0"/>
+              <a:cs typeface="Arial" panose="020B0604020202020204" pitchFamily="34" charset="0"/>
+            </a:endParaRPr>
+          </a:p>
+        </p:txBody>
+      </p:sp>
+      <p:cxnSp>
+        <p:nvCxnSpPr>
+          <p:cNvPr id="51" name="Straight Arrow Connector 50">
+            <a:extLst>
+              <a:ext uri="{FF2B5EF4-FFF2-40B4-BE49-F238E27FC236}">
+                <a16:creationId xmlns:a16="http://schemas.microsoft.com/office/drawing/2014/main" id="{FC0FDE20-4A11-4F0A-95AF-D885F5169574}"/>
+              </a:ext>
+            </a:extLst>
+          </p:cNvPr>
+          <p:cNvCxnSpPr>
+            <a:cxnSpLocks/>
+          </p:cNvCxnSpPr>
+          <p:nvPr/>
+        </p:nvCxnSpPr>
+        <p:spPr>
+          <a:xfrm>
+            <a:off x="4418380" y="4395262"/>
+            <a:ext cx="1142904" cy="0"/>
+          </a:xfrm>
+          <a:prstGeom prst="straightConnector1">
+            <a:avLst/>
+          </a:prstGeom>
+          <a:solidFill>
+            <a:srgbClr val="92D050"/>
+          </a:solidFill>
+          <a:ln w="25400">
+            <a:solidFill>
+              <a:srgbClr val="718F2B"/>
+            </a:solidFill>
+            <a:tailEnd type="triangle" w="lg" len="med"/>
+          </a:ln>
+        </p:spPr>
+        <p:style>
+          <a:lnRef idx="1">
+            <a:schemeClr val="accent1"/>
+          </a:lnRef>
+          <a:fillRef idx="0">
+            <a:schemeClr val="accent1"/>
+          </a:fillRef>
+          <a:effectRef idx="0">
+            <a:schemeClr val="accent1"/>
+          </a:effectRef>
+          <a:fontRef idx="minor">
+            <a:schemeClr val="tx1"/>
+          </a:fontRef>
+        </p:style>
+      </p:cxnSp>
+      <p:sp>
+        <p:nvSpPr>
+          <p:cNvPr id="52" name="Rectangle 51">
+            <a:extLst>
+              <a:ext uri="{FF2B5EF4-FFF2-40B4-BE49-F238E27FC236}">
+                <a16:creationId xmlns:a16="http://schemas.microsoft.com/office/drawing/2014/main" id="{8A3DD144-0A0F-4819-ABC1-9530A9C0B6FC}"/>
+              </a:ext>
+            </a:extLst>
+          </p:cNvPr>
+          <p:cNvSpPr/>
+          <p:nvPr/>
+        </p:nvSpPr>
+        <p:spPr>
+          <a:xfrm>
+            <a:off x="4409782" y="4109222"/>
+            <a:ext cx="1024384" cy="307777"/>
+          </a:xfrm>
+          <a:prstGeom prst="rect">
+            <a:avLst/>
+          </a:prstGeom>
+        </p:spPr>
+        <p:txBody>
+          <a:bodyPr wrap="none">
+            <a:spAutoFit/>
+          </a:bodyPr>
+          <a:lstStyle/>
+          <a:p>
+            <a:pPr algn="ctr"/>
+            <a:r>
+              <a:rPr lang="en-GB" sz="1400" dirty="0" err="1">
+                <a:solidFill>
+                  <a:schemeClr val="tx1"/>
+                </a:solidFill>
+                <a:latin typeface="Arial" panose="020B0604020202020204" pitchFamily="34" charset="0"/>
+                <a:cs typeface="Arial" panose="020B0604020202020204" pitchFamily="34" charset="0"/>
+              </a:rPr>
+              <a:t>PrintTicket</a:t>
+            </a:r>
+            <a:endParaRPr lang="en-US" sz="1400" dirty="0">
+              <a:latin typeface="Arial" panose="020B0604020202020204" pitchFamily="34" charset="0"/>
+              <a:cs typeface="Arial" panose="020B0604020202020204" pitchFamily="34" charset="0"/>
+            </a:endParaRPr>
+          </a:p>
+        </p:txBody>
+      </p:sp>
+      <p:sp>
+        <p:nvSpPr>
+          <p:cNvPr id="53" name="Right Brace 52">
+            <a:extLst>
+              <a:ext uri="{FF2B5EF4-FFF2-40B4-BE49-F238E27FC236}">
+                <a16:creationId xmlns:a16="http://schemas.microsoft.com/office/drawing/2014/main" id="{AD35AFA3-FB9B-4DD9-A719-868943007552}"/>
+              </a:ext>
+            </a:extLst>
+          </p:cNvPr>
+          <p:cNvSpPr/>
+          <p:nvPr/>
+        </p:nvSpPr>
+        <p:spPr>
+          <a:xfrm>
+            <a:off x="7840622" y="3840481"/>
+            <a:ext cx="284673" cy="2597404"/>
+          </a:xfrm>
+          <a:prstGeom prst="rightBrace">
+            <a:avLst>
+              <a:gd name="adj1" fmla="val 60384"/>
+              <a:gd name="adj2" fmla="val 50000"/>
+            </a:avLst>
+          </a:prstGeom>
+          <a:ln w="28575">
+            <a:solidFill>
+              <a:schemeClr val="accent6">
+                <a:lumMod val="75000"/>
+              </a:schemeClr>
+            </a:solidFill>
+          </a:ln>
+        </p:spPr>
+        <p:style>
+          <a:lnRef idx="1">
+            <a:schemeClr val="accent1"/>
+          </a:lnRef>
+          <a:fillRef idx="0">
+            <a:schemeClr val="accent1"/>
+          </a:fillRef>
+          <a:effectRef idx="0">
+            <a:schemeClr val="accent1"/>
+          </a:effectRef>
+          <a:fontRef idx="minor">
+            <a:schemeClr val="tx1"/>
+          </a:fontRef>
+        </p:style>
+        <p:txBody>
+          <a:bodyPr rtlCol="0" anchor="ctr"/>
+          <a:lstStyle/>
+          <a:p>
+            <a:pPr algn="ctr"/>
+            <a:endParaRPr lang="en-US">
+              <a:latin typeface="Arial" panose="020B0604020202020204" pitchFamily="34" charset="0"/>
+              <a:cs typeface="Arial" panose="020B0604020202020204" pitchFamily="34" charset="0"/>
+            </a:endParaRPr>
+          </a:p>
+        </p:txBody>
+      </p:sp>
+      <p:cxnSp>
+        <p:nvCxnSpPr>
+          <p:cNvPr id="61" name="Straight Arrow Connector 60">
+            <a:extLst>
+              <a:ext uri="{FF2B5EF4-FFF2-40B4-BE49-F238E27FC236}">
+                <a16:creationId xmlns:a16="http://schemas.microsoft.com/office/drawing/2014/main" id="{2A36BBF2-DB18-419F-B050-35B32339F40F}"/>
+              </a:ext>
+            </a:extLst>
+          </p:cNvPr>
+          <p:cNvCxnSpPr>
+            <a:cxnSpLocks/>
+          </p:cNvCxnSpPr>
+          <p:nvPr/>
+        </p:nvCxnSpPr>
+        <p:spPr>
+          <a:xfrm flipH="1">
+            <a:off x="2585881" y="4833412"/>
+            <a:ext cx="639648" cy="566112"/>
+          </a:xfrm>
+          <a:prstGeom prst="straightConnector1">
+            <a:avLst/>
+          </a:prstGeom>
+          <a:solidFill>
+            <a:srgbClr val="92D050"/>
+          </a:solidFill>
+          <a:ln w="25400">
+            <a:solidFill>
+              <a:srgbClr val="718F2B"/>
+            </a:solidFill>
+            <a:tailEnd type="triangle" w="lg" len="med"/>
+          </a:ln>
+        </p:spPr>
+        <p:style>
+          <a:lnRef idx="1">
+            <a:schemeClr val="accent1"/>
+          </a:lnRef>
+          <a:fillRef idx="0">
+            <a:schemeClr val="accent1"/>
+          </a:fillRef>
+          <a:effectRef idx="0">
+            <a:schemeClr val="accent1"/>
+          </a:effectRef>
+          <a:fontRef idx="minor">
+            <a:schemeClr val="tx1"/>
+          </a:fontRef>
+        </p:style>
+      </p:cxnSp>
+      <p:sp>
+        <p:nvSpPr>
+          <p:cNvPr id="71" name="Right Brace 70">
+            <a:extLst>
+              <a:ext uri="{FF2B5EF4-FFF2-40B4-BE49-F238E27FC236}">
+                <a16:creationId xmlns:a16="http://schemas.microsoft.com/office/drawing/2014/main" id="{CCE84123-C428-47FE-BE29-21E8B7D33B98}"/>
+              </a:ext>
+            </a:extLst>
+          </p:cNvPr>
+          <p:cNvSpPr/>
+          <p:nvPr/>
+        </p:nvSpPr>
+        <p:spPr>
+          <a:xfrm>
+            <a:off x="4865262" y="326002"/>
+            <a:ext cx="409903" cy="3339412"/>
+          </a:xfrm>
+          <a:prstGeom prst="rightBrace">
+            <a:avLst>
+              <a:gd name="adj1" fmla="val 65342"/>
+              <a:gd name="adj2" fmla="val 50000"/>
+            </a:avLst>
+          </a:prstGeom>
+          <a:ln w="28575">
+            <a:solidFill>
+              <a:srgbClr val="8065A2"/>
+            </a:solidFill>
+          </a:ln>
+        </p:spPr>
+        <p:style>
+          <a:lnRef idx="1">
+            <a:schemeClr val="accent1"/>
+          </a:lnRef>
+          <a:fillRef idx="0">
+            <a:schemeClr val="accent1"/>
+          </a:fillRef>
+          <a:effectRef idx="0">
+            <a:schemeClr val="accent1"/>
+          </a:effectRef>
+          <a:fontRef idx="minor">
+            <a:schemeClr val="tx1"/>
+          </a:fontRef>
+        </p:style>
+        <p:txBody>
+          <a:bodyPr rtlCol="0" anchor="ctr"/>
+          <a:lstStyle/>
+          <a:p>
+            <a:pPr algn="ctr"/>
+            <a:endParaRPr lang="en-US">
+              <a:latin typeface="Arial" panose="020B0604020202020204" pitchFamily="34" charset="0"/>
+              <a:cs typeface="Arial" panose="020B0604020202020204" pitchFamily="34" charset="0"/>
+            </a:endParaRPr>
+          </a:p>
+        </p:txBody>
+      </p:sp>
+      <p:sp>
+        <p:nvSpPr>
+          <p:cNvPr id="72" name="TextBox 71">
+            <a:extLst>
+              <a:ext uri="{FF2B5EF4-FFF2-40B4-BE49-F238E27FC236}">
+                <a16:creationId xmlns:a16="http://schemas.microsoft.com/office/drawing/2014/main" id="{C0785D1B-C9F0-4363-87F1-DB8D53CE1A6F}"/>
+              </a:ext>
+            </a:extLst>
+          </p:cNvPr>
+          <p:cNvSpPr txBox="1"/>
+          <p:nvPr/>
+        </p:nvSpPr>
+        <p:spPr>
+          <a:xfrm>
+            <a:off x="5458773" y="1811042"/>
+            <a:ext cx="2249334" cy="369332"/>
+          </a:xfrm>
+          <a:prstGeom prst="rect">
+            <a:avLst/>
+          </a:prstGeom>
+          <a:noFill/>
+        </p:spPr>
+        <p:txBody>
+          <a:bodyPr wrap="none" rtlCol="0">
+            <a:spAutoFit/>
+          </a:bodyPr>
+          <a:lstStyle/>
+          <a:p>
+            <a:r>
+              <a:rPr lang="en-GB" dirty="0">
+                <a:latin typeface="Arial" panose="020B0604020202020204" pitchFamily="34" charset="0"/>
+                <a:cs typeface="Arial" panose="020B0604020202020204" pitchFamily="34" charset="0"/>
+              </a:rPr>
+              <a:t>OPC Package Parts</a:t>
+            </a:r>
+            <a:endParaRPr lang="en-US" dirty="0">
+              <a:latin typeface="Arial" panose="020B0604020202020204" pitchFamily="34" charset="0"/>
+              <a:cs typeface="Arial" panose="020B0604020202020204" pitchFamily="34" charset="0"/>
+            </a:endParaRPr>
+          </a:p>
+        </p:txBody>
+      </p:sp>
+      <p:grpSp>
+        <p:nvGrpSpPr>
+          <p:cNvPr id="35" name="Group 34">
+            <a:extLst>
+              <a:ext uri="{FF2B5EF4-FFF2-40B4-BE49-F238E27FC236}">
+                <a16:creationId xmlns:a16="http://schemas.microsoft.com/office/drawing/2014/main" id="{4C09BBC0-44D7-4C36-B596-3AF13866DAC2}"/>
+              </a:ext>
+            </a:extLst>
+          </p:cNvPr>
+          <p:cNvGrpSpPr/>
+          <p:nvPr/>
+        </p:nvGrpSpPr>
+        <p:grpSpPr>
+          <a:xfrm>
+            <a:off x="1002066" y="2758655"/>
+            <a:ext cx="1713186" cy="307777"/>
+            <a:chOff x="1517073" y="1261668"/>
+            <a:chExt cx="1713186" cy="307777"/>
+          </a:xfrm>
+        </p:grpSpPr>
+        <p:cxnSp>
+          <p:nvCxnSpPr>
+            <p:cNvPr id="36" name="Straight Arrow Connector 35">
+              <a:extLst>
+                <a:ext uri="{FF2B5EF4-FFF2-40B4-BE49-F238E27FC236}">
+                  <a16:creationId xmlns:a16="http://schemas.microsoft.com/office/drawing/2014/main" id="{12F0D3D1-5A6E-4B67-BF1A-88F319A0DA79}"/>
+                </a:ext>
+              </a:extLst>
+            </p:cNvPr>
+            <p:cNvCxnSpPr/>
+            <p:nvPr/>
+          </p:nvCxnSpPr>
+          <p:spPr>
+            <a:xfrm>
+              <a:off x="1517073" y="1547708"/>
+              <a:ext cx="1713186" cy="0"/>
+            </a:xfrm>
+            <a:prstGeom prst="straightConnector1">
+              <a:avLst/>
+            </a:prstGeom>
+            <a:ln w="25400">
+              <a:solidFill>
+                <a:srgbClr val="8065A2"/>
+              </a:solidFill>
+              <a:tailEnd type="triangle" w="lg" len="med"/>
+            </a:ln>
+          </p:spPr>
+          <p:style>
+            <a:lnRef idx="1">
+              <a:schemeClr val="accent1"/>
+            </a:lnRef>
+            <a:fillRef idx="0">
+              <a:schemeClr val="accent1"/>
+            </a:fillRef>
+            <a:effectRef idx="0">
+              <a:schemeClr val="accent1"/>
+            </a:effectRef>
+            <a:fontRef idx="minor">
+              <a:schemeClr val="tx1"/>
+            </a:fontRef>
+          </p:style>
+        </p:cxnSp>
+        <p:sp>
+          <p:nvSpPr>
+            <p:cNvPr id="37" name="Rectangle 36">
+              <a:extLst>
+                <a:ext uri="{FF2B5EF4-FFF2-40B4-BE49-F238E27FC236}">
+                  <a16:creationId xmlns:a16="http://schemas.microsoft.com/office/drawing/2014/main" id="{567AA85B-702F-49BD-BC16-79313CC67B84}"/>
+                </a:ext>
+              </a:extLst>
+            </p:cNvPr>
+            <p:cNvSpPr/>
+            <p:nvPr/>
+          </p:nvSpPr>
+          <p:spPr>
+            <a:xfrm>
+              <a:off x="1601152" y="1261668"/>
+              <a:ext cx="1338829" cy="307777"/>
+            </a:xfrm>
+            <a:prstGeom prst="rect">
+              <a:avLst/>
+            </a:prstGeom>
+            <a:ln>
+              <a:noFill/>
+            </a:ln>
+          </p:spPr>
+          <p:txBody>
+            <a:bodyPr wrap="none">
+              <a:spAutoFit/>
+            </a:bodyPr>
+            <a:lstStyle/>
+            <a:p>
+              <a:pPr algn="ctr"/>
+              <a:r>
+                <a:rPr lang="en-GB" sz="1400" dirty="0">
+                  <a:solidFill>
+                    <a:schemeClr val="tx1"/>
+                  </a:solidFill>
+                  <a:latin typeface="Arial" panose="020B0604020202020204" pitchFamily="34" charset="0"/>
+                  <a:cs typeface="Arial" panose="020B0604020202020204" pitchFamily="34" charset="0"/>
+                </a:rPr>
+                <a:t>Must Preserve</a:t>
+              </a:r>
+              <a:endParaRPr lang="en-US" sz="1400" dirty="0">
+                <a:latin typeface="Arial" panose="020B0604020202020204" pitchFamily="34" charset="0"/>
+                <a:cs typeface="Arial" panose="020B0604020202020204" pitchFamily="34" charset="0"/>
+              </a:endParaRPr>
+            </a:p>
+          </p:txBody>
+        </p:sp>
+      </p:grpSp>
+      <p:sp>
+        <p:nvSpPr>
+          <p:cNvPr id="76" name="Oval 75">
+            <a:extLst>
+              <a:ext uri="{FF2B5EF4-FFF2-40B4-BE49-F238E27FC236}">
+                <a16:creationId xmlns:a16="http://schemas.microsoft.com/office/drawing/2014/main" id="{3FA9C82F-4F05-4C97-9D48-A54CE7491DF8}"/>
+              </a:ext>
+            </a:extLst>
+          </p:cNvPr>
+          <p:cNvSpPr/>
+          <p:nvPr/>
+        </p:nvSpPr>
+        <p:spPr>
+          <a:xfrm>
+            <a:off x="2867652" y="2911345"/>
+            <a:ext cx="2130137" cy="571500"/>
+          </a:xfrm>
+          <a:prstGeom prst="ellipse">
+            <a:avLst/>
+          </a:prstGeom>
+          <a:solidFill>
+            <a:srgbClr val="E6E0EC"/>
+          </a:solidFill>
+          <a:ln w="38100">
+            <a:solidFill>
+              <a:srgbClr val="8065A2"/>
+            </a:solidFill>
+          </a:ln>
+        </p:spPr>
+        <p:style>
+          <a:lnRef idx="2">
+            <a:schemeClr val="accent1">
+              <a:shade val="50000"/>
+            </a:schemeClr>
+          </a:lnRef>
+          <a:fillRef idx="1">
+            <a:schemeClr val="accent1"/>
+          </a:fillRef>
+          <a:effectRef idx="0">
+            <a:schemeClr val="accent1"/>
+          </a:effectRef>
+          <a:fontRef idx="minor">
+            <a:schemeClr val="lt1"/>
+          </a:fontRef>
+        </p:style>
+        <p:txBody>
+          <a:bodyPr rtlCol="0" anchor="ctr"/>
+          <a:lstStyle/>
+          <a:p>
+            <a:pPr algn="ctr"/>
+            <a:r>
+              <a:rPr lang="en-GB" dirty="0">
+                <a:solidFill>
+                  <a:schemeClr val="tx1"/>
+                </a:solidFill>
+                <a:latin typeface="Arial" panose="020B0604020202020204" pitchFamily="34" charset="0"/>
+                <a:cs typeface="Arial" panose="020B0604020202020204" pitchFamily="34" charset="0"/>
+              </a:rPr>
+              <a:t>Custom Part</a:t>
+            </a:r>
+            <a:endParaRPr lang="en-US" dirty="0">
+              <a:solidFill>
+                <a:schemeClr val="tx1"/>
+              </a:solidFill>
+              <a:latin typeface="Arial" panose="020B0604020202020204" pitchFamily="34" charset="0"/>
+              <a:cs typeface="Arial" panose="020B0604020202020204" pitchFamily="34" charset="0"/>
+            </a:endParaRPr>
+          </a:p>
+        </p:txBody>
+      </p:sp>
+      <p:sp>
+        <p:nvSpPr>
+          <p:cNvPr id="62" name="Oval 61">
+            <a:extLst>
+              <a:ext uri="{FF2B5EF4-FFF2-40B4-BE49-F238E27FC236}">
+                <a16:creationId xmlns:a16="http://schemas.microsoft.com/office/drawing/2014/main" id="{500F72CE-5C1C-4D57-A39F-5D037228EDD5}"/>
+              </a:ext>
+            </a:extLst>
+          </p:cNvPr>
+          <p:cNvSpPr/>
+          <p:nvPr/>
+        </p:nvSpPr>
+        <p:spPr>
+          <a:xfrm>
+            <a:off x="3655785" y="5392096"/>
+            <a:ext cx="1549326" cy="571500"/>
+          </a:xfrm>
+          <a:prstGeom prst="ellipse">
+            <a:avLst/>
+          </a:prstGeom>
+          <a:solidFill>
+            <a:srgbClr val="EBF1DE"/>
+          </a:solidFill>
+          <a:ln w="38100">
+            <a:solidFill>
+              <a:srgbClr val="718F2B"/>
+            </a:solidFill>
+          </a:ln>
+        </p:spPr>
+        <p:style>
+          <a:lnRef idx="2">
+            <a:schemeClr val="accent1">
+              <a:shade val="50000"/>
+            </a:schemeClr>
+          </a:lnRef>
+          <a:fillRef idx="1">
+            <a:schemeClr val="accent1"/>
+          </a:fillRef>
+          <a:effectRef idx="0">
+            <a:schemeClr val="accent1"/>
+          </a:effectRef>
+          <a:fontRef idx="minor">
+            <a:schemeClr val="lt1"/>
+          </a:fontRef>
+        </p:style>
+        <p:txBody>
+          <a:bodyPr rtlCol="0" anchor="ctr"/>
+          <a:lstStyle/>
+          <a:p>
+            <a:pPr algn="ctr"/>
+            <a:r>
+              <a:rPr lang="en-GB" sz="1600" dirty="0">
+                <a:solidFill>
+                  <a:schemeClr val="tx1"/>
+                </a:solidFill>
+                <a:latin typeface="Arial" panose="020B0604020202020204" pitchFamily="34" charset="0"/>
+                <a:cs typeface="Arial" panose="020B0604020202020204" pitchFamily="34" charset="0"/>
+              </a:rPr>
+              <a:t>3D Texture</a:t>
+            </a:r>
+            <a:endParaRPr lang="en-US" sz="1600" dirty="0">
+              <a:solidFill>
+                <a:schemeClr val="tx1"/>
+              </a:solidFill>
+              <a:latin typeface="Arial" panose="020B0604020202020204" pitchFamily="34" charset="0"/>
+              <a:cs typeface="Arial" panose="020B0604020202020204" pitchFamily="34" charset="0"/>
+            </a:endParaRPr>
+          </a:p>
+        </p:txBody>
+      </p:sp>
+      <p:sp>
+        <p:nvSpPr>
+          <p:cNvPr id="63" name="Oval 62">
+            <a:extLst>
+              <a:ext uri="{FF2B5EF4-FFF2-40B4-BE49-F238E27FC236}">
+                <a16:creationId xmlns:a16="http://schemas.microsoft.com/office/drawing/2014/main" id="{4889F0D0-C897-4504-B255-11F33E8D1850}"/>
+              </a:ext>
+            </a:extLst>
+          </p:cNvPr>
+          <p:cNvSpPr/>
+          <p:nvPr/>
+        </p:nvSpPr>
+        <p:spPr>
+          <a:xfrm>
+            <a:off x="2715252" y="2759234"/>
+            <a:ext cx="2130137" cy="571500"/>
+          </a:xfrm>
+          <a:prstGeom prst="ellipse">
+            <a:avLst/>
+          </a:prstGeom>
+          <a:solidFill>
+            <a:srgbClr val="E6E0EC"/>
+          </a:solidFill>
+          <a:ln w="38100">
+            <a:solidFill>
+              <a:srgbClr val="8065A2"/>
+            </a:solidFill>
+          </a:ln>
+        </p:spPr>
+        <p:style>
+          <a:lnRef idx="2">
+            <a:schemeClr val="accent1">
+              <a:shade val="50000"/>
+            </a:schemeClr>
+          </a:lnRef>
+          <a:fillRef idx="1">
+            <a:schemeClr val="accent1"/>
+          </a:fillRef>
+          <a:effectRef idx="0">
+            <a:schemeClr val="accent1"/>
+          </a:effectRef>
+          <a:fontRef idx="minor">
+            <a:schemeClr val="lt1"/>
+          </a:fontRef>
+        </p:style>
+        <p:txBody>
+          <a:bodyPr rtlCol="0" anchor="ctr"/>
+          <a:lstStyle/>
+          <a:p>
+            <a:pPr algn="ctr"/>
+            <a:r>
+              <a:rPr lang="en-GB" dirty="0">
+                <a:solidFill>
+                  <a:schemeClr val="tx1"/>
+                </a:solidFill>
+                <a:latin typeface="Arial" panose="020B0604020202020204" pitchFamily="34" charset="0"/>
+                <a:cs typeface="Arial" panose="020B0604020202020204" pitchFamily="34" charset="0"/>
+              </a:rPr>
+              <a:t>Custom Part</a:t>
+            </a:r>
+            <a:endParaRPr lang="en-US" dirty="0">
+              <a:solidFill>
+                <a:schemeClr val="tx1"/>
+              </a:solidFill>
+              <a:latin typeface="Arial" panose="020B0604020202020204" pitchFamily="34" charset="0"/>
+              <a:cs typeface="Arial" panose="020B0604020202020204" pitchFamily="34" charset="0"/>
+            </a:endParaRPr>
+          </a:p>
+        </p:txBody>
+      </p:sp>
+      <p:grpSp>
+        <p:nvGrpSpPr>
+          <p:cNvPr id="66" name="Group 65">
+            <a:extLst>
+              <a:ext uri="{FF2B5EF4-FFF2-40B4-BE49-F238E27FC236}">
+                <a16:creationId xmlns:a16="http://schemas.microsoft.com/office/drawing/2014/main" id="{93452BD1-9770-473E-A04E-A28D39AD7D06}"/>
+              </a:ext>
+            </a:extLst>
+          </p:cNvPr>
+          <p:cNvGrpSpPr/>
+          <p:nvPr/>
+        </p:nvGrpSpPr>
+        <p:grpSpPr>
+          <a:xfrm>
+            <a:off x="1002066" y="1887517"/>
+            <a:ext cx="1713186" cy="307777"/>
+            <a:chOff x="1517073" y="1261668"/>
+            <a:chExt cx="1713186" cy="307777"/>
+          </a:xfrm>
+        </p:grpSpPr>
+        <p:cxnSp>
+          <p:nvCxnSpPr>
+            <p:cNvPr id="68" name="Straight Arrow Connector 67">
+              <a:extLst>
+                <a:ext uri="{FF2B5EF4-FFF2-40B4-BE49-F238E27FC236}">
+                  <a16:creationId xmlns:a16="http://schemas.microsoft.com/office/drawing/2014/main" id="{8F71CE82-42DE-482E-9AED-864D10EDF55E}"/>
+                </a:ext>
+              </a:extLst>
+            </p:cNvPr>
+            <p:cNvCxnSpPr/>
+            <p:nvPr/>
+          </p:nvCxnSpPr>
+          <p:spPr>
+            <a:xfrm>
+              <a:off x="1517073" y="1547708"/>
+              <a:ext cx="1713186" cy="0"/>
+            </a:xfrm>
+            <a:prstGeom prst="straightConnector1">
+              <a:avLst/>
+            </a:prstGeom>
+            <a:ln w="25400">
+              <a:solidFill>
+                <a:srgbClr val="8065A2"/>
+              </a:solidFill>
+              <a:tailEnd type="triangle" w="lg" len="med"/>
+            </a:ln>
+          </p:spPr>
+          <p:style>
+            <a:lnRef idx="1">
+              <a:schemeClr val="accent1"/>
+            </a:lnRef>
+            <a:fillRef idx="0">
+              <a:schemeClr val="accent1"/>
+            </a:fillRef>
+            <a:effectRef idx="0">
+              <a:schemeClr val="accent1"/>
+            </a:effectRef>
+            <a:fontRef idx="minor">
+              <a:schemeClr val="tx1"/>
+            </a:fontRef>
+          </p:style>
+        </p:cxnSp>
+        <p:sp>
+          <p:nvSpPr>
+            <p:cNvPr id="69" name="Rectangle 68">
+              <a:extLst>
+                <a:ext uri="{FF2B5EF4-FFF2-40B4-BE49-F238E27FC236}">
+                  <a16:creationId xmlns:a16="http://schemas.microsoft.com/office/drawing/2014/main" id="{735FC1B6-A90B-45DF-9631-1B4373606818}"/>
+                </a:ext>
+              </a:extLst>
+            </p:cNvPr>
+            <p:cNvSpPr/>
+            <p:nvPr/>
+          </p:nvSpPr>
+          <p:spPr>
+            <a:xfrm>
+              <a:off x="1588857" y="1261668"/>
+              <a:ext cx="1588897" cy="307777"/>
+            </a:xfrm>
+            <a:prstGeom prst="rect">
+              <a:avLst/>
+            </a:prstGeom>
+            <a:ln>
+              <a:noFill/>
+            </a:ln>
+          </p:spPr>
+          <p:txBody>
+            <a:bodyPr wrap="none">
+              <a:spAutoFit/>
+            </a:bodyPr>
+            <a:lstStyle/>
+            <a:p>
+              <a:pPr algn="ctr"/>
+              <a:r>
+                <a:rPr lang="en-GB" sz="1400" dirty="0">
+                  <a:solidFill>
+                    <a:schemeClr val="tx1"/>
+                  </a:solidFill>
+                  <a:latin typeface="Arial" panose="020B0604020202020204" pitchFamily="34" charset="0"/>
+                  <a:cs typeface="Arial" panose="020B0604020202020204" pitchFamily="34" charset="0"/>
+                </a:rPr>
+                <a:t>Digital Signatures</a:t>
+              </a:r>
+              <a:endParaRPr lang="en-US" sz="1400" dirty="0">
+                <a:latin typeface="Arial" panose="020B0604020202020204" pitchFamily="34" charset="0"/>
+                <a:cs typeface="Arial" panose="020B0604020202020204" pitchFamily="34" charset="0"/>
+              </a:endParaRPr>
+            </a:p>
+          </p:txBody>
+        </p:sp>
+      </p:grpSp>
+      <p:sp>
+        <p:nvSpPr>
+          <p:cNvPr id="67" name="Oval 66">
+            <a:extLst>
+              <a:ext uri="{FF2B5EF4-FFF2-40B4-BE49-F238E27FC236}">
+                <a16:creationId xmlns:a16="http://schemas.microsoft.com/office/drawing/2014/main" id="{55E3F093-D046-4D0B-9B0D-03BC56FCCF70}"/>
+              </a:ext>
+            </a:extLst>
+          </p:cNvPr>
+          <p:cNvSpPr/>
+          <p:nvPr/>
+        </p:nvSpPr>
+        <p:spPr>
+          <a:xfrm>
+            <a:off x="2867652" y="2040207"/>
+            <a:ext cx="2130137" cy="571500"/>
+          </a:xfrm>
+          <a:prstGeom prst="ellipse">
+            <a:avLst/>
+          </a:prstGeom>
+          <a:solidFill>
+            <a:srgbClr val="E6E0EC"/>
+          </a:solidFill>
+          <a:ln w="38100">
+            <a:solidFill>
+              <a:srgbClr val="8065A2"/>
+            </a:solidFill>
+          </a:ln>
+        </p:spPr>
+        <p:style>
+          <a:lnRef idx="2">
+            <a:schemeClr val="accent1">
+              <a:shade val="50000"/>
+            </a:schemeClr>
+          </a:lnRef>
+          <a:fillRef idx="1">
+            <a:schemeClr val="accent1"/>
+          </a:fillRef>
+          <a:effectRef idx="0">
+            <a:schemeClr val="accent1"/>
+          </a:effectRef>
+          <a:fontRef idx="minor">
+            <a:schemeClr val="lt1"/>
+          </a:fontRef>
+        </p:style>
+        <p:txBody>
+          <a:bodyPr rtlCol="0" anchor="ctr"/>
+          <a:lstStyle/>
+          <a:p>
+            <a:pPr algn="ctr"/>
+            <a:r>
+              <a:rPr lang="en-GB" dirty="0">
+                <a:solidFill>
+                  <a:schemeClr val="tx1"/>
+                </a:solidFill>
+                <a:latin typeface="Arial" panose="020B0604020202020204" pitchFamily="34" charset="0"/>
+                <a:cs typeface="Arial" panose="020B0604020202020204" pitchFamily="34" charset="0"/>
+              </a:rPr>
+              <a:t>Digital Signature</a:t>
+            </a:r>
+            <a:endParaRPr lang="en-US" dirty="0">
+              <a:solidFill>
+                <a:schemeClr val="tx1"/>
+              </a:solidFill>
+              <a:latin typeface="Arial" panose="020B0604020202020204" pitchFamily="34" charset="0"/>
+              <a:cs typeface="Arial" panose="020B0604020202020204" pitchFamily="34" charset="0"/>
+            </a:endParaRPr>
+          </a:p>
+        </p:txBody>
+      </p:sp>
+      <p:sp>
+        <p:nvSpPr>
+          <p:cNvPr id="78" name="Oval 77">
+            <a:extLst>
+              <a:ext uri="{FF2B5EF4-FFF2-40B4-BE49-F238E27FC236}">
+                <a16:creationId xmlns:a16="http://schemas.microsoft.com/office/drawing/2014/main" id="{7DD6A805-5809-4EAD-B66C-BDA6B7EA2BBE}"/>
+              </a:ext>
+            </a:extLst>
+          </p:cNvPr>
+          <p:cNvSpPr/>
+          <p:nvPr/>
+        </p:nvSpPr>
+        <p:spPr>
+          <a:xfrm>
+            <a:off x="2715252" y="1887807"/>
+            <a:ext cx="2130137" cy="571500"/>
+          </a:xfrm>
+          <a:prstGeom prst="ellipse">
+            <a:avLst/>
+          </a:prstGeom>
+          <a:solidFill>
+            <a:srgbClr val="E6E0EC"/>
+          </a:solidFill>
+          <a:ln w="38100">
+            <a:solidFill>
+              <a:srgbClr val="8065A2"/>
+            </a:solidFill>
+          </a:ln>
+        </p:spPr>
+        <p:style>
+          <a:lnRef idx="2">
+            <a:schemeClr val="accent1">
+              <a:shade val="50000"/>
+            </a:schemeClr>
+          </a:lnRef>
+          <a:fillRef idx="1">
+            <a:schemeClr val="accent1"/>
+          </a:fillRef>
+          <a:effectRef idx="0">
+            <a:schemeClr val="accent1"/>
+          </a:effectRef>
+          <a:fontRef idx="minor">
+            <a:schemeClr val="lt1"/>
+          </a:fontRef>
+        </p:style>
+        <p:txBody>
+          <a:bodyPr rtlCol="0" anchor="ctr"/>
+          <a:lstStyle/>
+          <a:p>
+            <a:pPr algn="ctr"/>
+            <a:r>
+              <a:rPr lang="en-GB" dirty="0">
+                <a:solidFill>
+                  <a:schemeClr val="tx1"/>
+                </a:solidFill>
+                <a:latin typeface="Arial" panose="020B0604020202020204" pitchFamily="34" charset="0"/>
+                <a:cs typeface="Arial" panose="020B0604020202020204" pitchFamily="34" charset="0"/>
+              </a:rPr>
+              <a:t>Digital Signature</a:t>
+            </a:r>
+            <a:endParaRPr lang="en-US" dirty="0">
+              <a:solidFill>
+                <a:schemeClr val="tx1"/>
+              </a:solidFill>
+              <a:latin typeface="Arial" panose="020B0604020202020204" pitchFamily="34" charset="0"/>
+              <a:cs typeface="Arial" panose="020B0604020202020204" pitchFamily="34" charset="0"/>
+            </a:endParaRPr>
+          </a:p>
+        </p:txBody>
+      </p:sp>
+      <p:cxnSp>
+        <p:nvCxnSpPr>
+          <p:cNvPr id="80" name="Straight Arrow Connector 79">
+            <a:extLst>
+              <a:ext uri="{FF2B5EF4-FFF2-40B4-BE49-F238E27FC236}">
+                <a16:creationId xmlns:a16="http://schemas.microsoft.com/office/drawing/2014/main" id="{C62784C5-A27B-4F16-8739-3BF29CB263AC}"/>
+              </a:ext>
+            </a:extLst>
+          </p:cNvPr>
+          <p:cNvCxnSpPr>
+            <a:cxnSpLocks/>
+            <a:endCxn id="62" idx="0"/>
+          </p:cNvCxnSpPr>
+          <p:nvPr/>
+        </p:nvCxnSpPr>
+        <p:spPr>
+          <a:xfrm>
+            <a:off x="3932720" y="4833412"/>
+            <a:ext cx="497728" cy="558684"/>
+          </a:xfrm>
+          <a:prstGeom prst="straightConnector1">
+            <a:avLst/>
+          </a:prstGeom>
+          <a:solidFill>
+            <a:srgbClr val="92D050"/>
+          </a:solidFill>
+          <a:ln w="25400">
+            <a:solidFill>
+              <a:srgbClr val="718F2B"/>
+            </a:solidFill>
+            <a:tailEnd type="triangle" w="lg" len="med"/>
+          </a:ln>
+        </p:spPr>
+        <p:style>
+          <a:lnRef idx="1">
+            <a:schemeClr val="accent1"/>
+          </a:lnRef>
+          <a:fillRef idx="0">
+            <a:schemeClr val="accent1"/>
+          </a:fillRef>
+          <a:effectRef idx="0">
+            <a:schemeClr val="accent1"/>
+          </a:effectRef>
+          <a:fontRef idx="minor">
+            <a:schemeClr val="tx1"/>
+          </a:fontRef>
+        </p:style>
+      </p:cxnSp>
+      <p:sp>
+        <p:nvSpPr>
+          <p:cNvPr id="81" name="Oval 80">
+            <a:extLst>
+              <a:ext uri="{FF2B5EF4-FFF2-40B4-BE49-F238E27FC236}">
+                <a16:creationId xmlns:a16="http://schemas.microsoft.com/office/drawing/2014/main" id="{6BC56CEF-7068-4164-8DB8-9EA5D4E2961F}"/>
+              </a:ext>
+            </a:extLst>
+          </p:cNvPr>
+          <p:cNvSpPr/>
+          <p:nvPr/>
+        </p:nvSpPr>
+        <p:spPr>
+          <a:xfrm>
+            <a:off x="2116018" y="5704324"/>
+            <a:ext cx="1549326" cy="571500"/>
+          </a:xfrm>
+          <a:prstGeom prst="ellipse">
+            <a:avLst/>
+          </a:prstGeom>
+          <a:solidFill>
+            <a:srgbClr val="EBF1DE"/>
+          </a:solidFill>
+          <a:ln w="38100">
+            <a:solidFill>
+              <a:srgbClr val="718F2B"/>
+            </a:solidFill>
+          </a:ln>
+        </p:spPr>
+        <p:style>
+          <a:lnRef idx="2">
+            <a:schemeClr val="accent1">
+              <a:shade val="50000"/>
+            </a:schemeClr>
+          </a:lnRef>
+          <a:fillRef idx="1">
+            <a:schemeClr val="accent1"/>
+          </a:fillRef>
+          <a:effectRef idx="0">
+            <a:schemeClr val="accent1"/>
+          </a:effectRef>
+          <a:fontRef idx="minor">
+            <a:schemeClr val="lt1"/>
+          </a:fontRef>
+        </p:style>
+        <p:txBody>
+          <a:bodyPr rtlCol="0" anchor="ctr"/>
+          <a:lstStyle/>
+          <a:p>
+            <a:pPr algn="ctr"/>
+            <a:r>
+              <a:rPr lang="en-GB" sz="1500" dirty="0">
+                <a:solidFill>
+                  <a:schemeClr val="tx1"/>
+                </a:solidFill>
+                <a:latin typeface="Arial" panose="020B0604020202020204" pitchFamily="34" charset="0"/>
+                <a:cs typeface="Arial" panose="020B0604020202020204" pitchFamily="34" charset="0"/>
+              </a:rPr>
+              <a:t>Object Thumbnail</a:t>
+            </a:r>
+            <a:endParaRPr lang="en-US" sz="1500" dirty="0">
+              <a:solidFill>
+                <a:schemeClr val="tx1"/>
+              </a:solidFill>
+              <a:latin typeface="Arial" panose="020B0604020202020204" pitchFamily="34" charset="0"/>
+              <a:cs typeface="Arial" panose="020B0604020202020204" pitchFamily="34" charset="0"/>
+            </a:endParaRPr>
+          </a:p>
+        </p:txBody>
+      </p:sp>
+      <p:sp>
+        <p:nvSpPr>
+          <p:cNvPr id="82" name="Oval 81">
+            <a:extLst>
+              <a:ext uri="{FF2B5EF4-FFF2-40B4-BE49-F238E27FC236}">
+                <a16:creationId xmlns:a16="http://schemas.microsoft.com/office/drawing/2014/main" id="{DA08172C-F71E-4DA0-A4C1-E3CE70BD5805}"/>
+              </a:ext>
+            </a:extLst>
+          </p:cNvPr>
+          <p:cNvSpPr/>
+          <p:nvPr/>
+        </p:nvSpPr>
+        <p:spPr>
+          <a:xfrm>
+            <a:off x="1963618" y="5551924"/>
+            <a:ext cx="1549326" cy="571500"/>
+          </a:xfrm>
+          <a:prstGeom prst="ellipse">
+            <a:avLst/>
+          </a:prstGeom>
+          <a:solidFill>
+            <a:srgbClr val="EBF1DE"/>
+          </a:solidFill>
+          <a:ln w="38100">
+            <a:solidFill>
+              <a:srgbClr val="718F2B"/>
+            </a:solidFill>
+          </a:ln>
+        </p:spPr>
+        <p:style>
+          <a:lnRef idx="2">
+            <a:schemeClr val="accent1">
+              <a:shade val="50000"/>
+            </a:schemeClr>
+          </a:lnRef>
+          <a:fillRef idx="1">
+            <a:schemeClr val="accent1"/>
+          </a:fillRef>
+          <a:effectRef idx="0">
+            <a:schemeClr val="accent1"/>
+          </a:effectRef>
+          <a:fontRef idx="minor">
+            <a:schemeClr val="lt1"/>
+          </a:fontRef>
+        </p:style>
+        <p:txBody>
+          <a:bodyPr rtlCol="0" anchor="ctr"/>
+          <a:lstStyle/>
+          <a:p>
+            <a:pPr algn="ctr"/>
+            <a:r>
+              <a:rPr lang="en-GB" sz="1500" dirty="0">
+                <a:solidFill>
+                  <a:schemeClr val="tx1"/>
+                </a:solidFill>
+                <a:latin typeface="Arial" panose="020B0604020202020204" pitchFamily="34" charset="0"/>
+                <a:cs typeface="Arial" panose="020B0604020202020204" pitchFamily="34" charset="0"/>
+              </a:rPr>
+              <a:t>Object Thumbnail</a:t>
+            </a:r>
+            <a:endParaRPr lang="en-US" sz="1500" dirty="0">
+              <a:solidFill>
+                <a:schemeClr val="tx1"/>
+              </a:solidFill>
+              <a:latin typeface="Arial" panose="020B0604020202020204" pitchFamily="34" charset="0"/>
+              <a:cs typeface="Arial" panose="020B0604020202020204" pitchFamily="34" charset="0"/>
+            </a:endParaRPr>
+          </a:p>
+        </p:txBody>
+      </p:sp>
+      <p:sp>
+        <p:nvSpPr>
+          <p:cNvPr id="83" name="Oval 82">
+            <a:extLst>
+              <a:ext uri="{FF2B5EF4-FFF2-40B4-BE49-F238E27FC236}">
+                <a16:creationId xmlns:a16="http://schemas.microsoft.com/office/drawing/2014/main" id="{F2ABC947-D1D4-404F-8EBE-1346554C3003}"/>
+              </a:ext>
+            </a:extLst>
+          </p:cNvPr>
+          <p:cNvSpPr/>
+          <p:nvPr/>
+        </p:nvSpPr>
+        <p:spPr>
+          <a:xfrm>
+            <a:off x="1811218" y="5399524"/>
+            <a:ext cx="1549326" cy="571500"/>
+          </a:xfrm>
+          <a:prstGeom prst="ellipse">
+            <a:avLst/>
+          </a:prstGeom>
+          <a:solidFill>
+            <a:srgbClr val="EBF1DE"/>
+          </a:solidFill>
+          <a:ln w="38100">
+            <a:solidFill>
+              <a:srgbClr val="718F2B"/>
+            </a:solidFill>
+          </a:ln>
+        </p:spPr>
+        <p:style>
+          <a:lnRef idx="2">
+            <a:schemeClr val="accent1">
+              <a:shade val="50000"/>
+            </a:schemeClr>
+          </a:lnRef>
+          <a:fillRef idx="1">
+            <a:schemeClr val="accent1"/>
+          </a:fillRef>
+          <a:effectRef idx="0">
+            <a:schemeClr val="accent1"/>
+          </a:effectRef>
+          <a:fontRef idx="minor">
+            <a:schemeClr val="lt1"/>
+          </a:fontRef>
+        </p:style>
+        <p:txBody>
+          <a:bodyPr rtlCol="0" anchor="ctr"/>
+          <a:lstStyle/>
+          <a:p>
+            <a:pPr algn="ctr"/>
+            <a:r>
+              <a:rPr lang="en-GB" sz="1500" dirty="0">
+                <a:solidFill>
+                  <a:schemeClr val="tx1"/>
+                </a:solidFill>
+                <a:latin typeface="Arial" panose="020B0604020202020204" pitchFamily="34" charset="0"/>
+                <a:cs typeface="Arial" panose="020B0604020202020204" pitchFamily="34" charset="0"/>
+              </a:rPr>
+              <a:t>Object Thumbnail</a:t>
+            </a:r>
+            <a:endParaRPr lang="en-US" sz="1500" dirty="0">
+              <a:solidFill>
+                <a:schemeClr val="tx1"/>
+              </a:solidFill>
+              <a:latin typeface="Arial" panose="020B0604020202020204" pitchFamily="34" charset="0"/>
+              <a:cs typeface="Arial" panose="020B0604020202020204" pitchFamily="34" charset="0"/>
+            </a:endParaRPr>
+          </a:p>
+        </p:txBody>
+      </p:sp>
+    </p:spTree>
+    <p:extLst>
+      <p:ext uri="{BB962C8B-B14F-4D97-AF65-F5344CB8AC3E}">
+        <p14:creationId xmlns:p14="http://schemas.microsoft.com/office/powerpoint/2010/main" val="2741712515"/>
+      </p:ext>
+    </p:extLst>
+  </p:cSld>
+  <p:clrMapOvr>
+    <a:masterClrMapping/>
+  </p:clrMapOvr>
+</p:sld>
+</file>
+
 <file path=ppt/theme/theme1.xml><?xml version="1.0" encoding="utf-8"?>
 <a:theme xmlns:a="http://schemas.openxmlformats.org/drawingml/2006/main" name="Office Theme">
   <a:themeElements>
